--- a/Dunai Krisztián/bemutatkozás.pptx
+++ b/Dunai Krisztián/bemutatkozás.pptx
@@ -6,10 +6,11 @@
   </p:sldMasterIdLst>
   <p:sldIdLst>
     <p:sldId id="256" r:id="rId2"/>
-    <p:sldId id="257" r:id="rId3"/>
-    <p:sldId id="258" r:id="rId4"/>
-    <p:sldId id="259" r:id="rId5"/>
-    <p:sldId id="260" r:id="rId6"/>
+    <p:sldId id="261" r:id="rId3"/>
+    <p:sldId id="257" r:id="rId4"/>
+    <p:sldId id="258" r:id="rId5"/>
+    <p:sldId id="259" r:id="rId6"/>
+    <p:sldId id="260" r:id="rId7"/>
   </p:sldIdLst>
   <p:sldSz cx="12192000" cy="6858000"/>
   <p:notesSz cx="6858000" cy="9144000"/>
@@ -108,6 +109,11 @@
       </a:defRPr>
     </a:lvl9pPr>
   </p:defaultTextStyle>
+  <p:extLst>
+    <p:ext uri="{EFAFB233-063F-42B5-8137-9DF3F51BA10A}">
+      <p15:sldGuideLst xmlns:p15="http://schemas.microsoft.com/office/powerpoint/2012/main"/>
+    </p:ext>
+  </p:extLst>
 </p:presentation>
 </file>
 
@@ -284,7 +290,7 @@
           <a:p>
             <a:fld id="{40EEE182-5BC8-485E-A7B0-871D6DD7FA96}" type="datetimeFigureOut">
               <a:rPr lang="hu-HU" smtClean="0"/>
-              <a:t>2021. 09. 15.</a:t>
+              <a:t>2021. 09. 16.</a:t>
             </a:fld>
             <a:endParaRPr lang="hu-HU"/>
           </a:p>
@@ -482,7 +488,7 @@
           <a:p>
             <a:fld id="{40EEE182-5BC8-485E-A7B0-871D6DD7FA96}" type="datetimeFigureOut">
               <a:rPr lang="hu-HU" smtClean="0"/>
-              <a:t>2021. 09. 15.</a:t>
+              <a:t>2021. 09. 16.</a:t>
             </a:fld>
             <a:endParaRPr lang="hu-HU"/>
           </a:p>
@@ -690,7 +696,7 @@
           <a:p>
             <a:fld id="{40EEE182-5BC8-485E-A7B0-871D6DD7FA96}" type="datetimeFigureOut">
               <a:rPr lang="hu-HU" smtClean="0"/>
-              <a:t>2021. 09. 15.</a:t>
+              <a:t>2021. 09. 16.</a:t>
             </a:fld>
             <a:endParaRPr lang="hu-HU"/>
           </a:p>
@@ -888,7 +894,7 @@
           <a:p>
             <a:fld id="{40EEE182-5BC8-485E-A7B0-871D6DD7FA96}" type="datetimeFigureOut">
               <a:rPr lang="hu-HU" smtClean="0"/>
-              <a:t>2021. 09. 15.</a:t>
+              <a:t>2021. 09. 16.</a:t>
             </a:fld>
             <a:endParaRPr lang="hu-HU"/>
           </a:p>
@@ -1163,7 +1169,7 @@
           <a:p>
             <a:fld id="{40EEE182-5BC8-485E-A7B0-871D6DD7FA96}" type="datetimeFigureOut">
               <a:rPr lang="hu-HU" smtClean="0"/>
-              <a:t>2021. 09. 15.</a:t>
+              <a:t>2021. 09. 16.</a:t>
             </a:fld>
             <a:endParaRPr lang="hu-HU"/>
           </a:p>
@@ -1428,7 +1434,7 @@
           <a:p>
             <a:fld id="{40EEE182-5BC8-485E-A7B0-871D6DD7FA96}" type="datetimeFigureOut">
               <a:rPr lang="hu-HU" smtClean="0"/>
-              <a:t>2021. 09. 15.</a:t>
+              <a:t>2021. 09. 16.</a:t>
             </a:fld>
             <a:endParaRPr lang="hu-HU"/>
           </a:p>
@@ -1840,7 +1846,7 @@
           <a:p>
             <a:fld id="{40EEE182-5BC8-485E-A7B0-871D6DD7FA96}" type="datetimeFigureOut">
               <a:rPr lang="hu-HU" smtClean="0"/>
-              <a:t>2021. 09. 15.</a:t>
+              <a:t>2021. 09. 16.</a:t>
             </a:fld>
             <a:endParaRPr lang="hu-HU"/>
           </a:p>
@@ -1981,7 +1987,7 @@
           <a:p>
             <a:fld id="{40EEE182-5BC8-485E-A7B0-871D6DD7FA96}" type="datetimeFigureOut">
               <a:rPr lang="hu-HU" smtClean="0"/>
-              <a:t>2021. 09. 15.</a:t>
+              <a:t>2021. 09. 16.</a:t>
             </a:fld>
             <a:endParaRPr lang="hu-HU"/>
           </a:p>
@@ -2094,7 +2100,7 @@
           <a:p>
             <a:fld id="{40EEE182-5BC8-485E-A7B0-871D6DD7FA96}" type="datetimeFigureOut">
               <a:rPr lang="hu-HU" smtClean="0"/>
-              <a:t>2021. 09. 15.</a:t>
+              <a:t>2021. 09. 16.</a:t>
             </a:fld>
             <a:endParaRPr lang="hu-HU"/>
           </a:p>
@@ -2405,7 +2411,7 @@
           <a:p>
             <a:fld id="{40EEE182-5BC8-485E-A7B0-871D6DD7FA96}" type="datetimeFigureOut">
               <a:rPr lang="hu-HU" smtClean="0"/>
-              <a:t>2021. 09. 15.</a:t>
+              <a:t>2021. 09. 16.</a:t>
             </a:fld>
             <a:endParaRPr lang="hu-HU"/>
           </a:p>
@@ -2693,7 +2699,7 @@
           <a:p>
             <a:fld id="{40EEE182-5BC8-485E-A7B0-871D6DD7FA96}" type="datetimeFigureOut">
               <a:rPr lang="hu-HU" smtClean="0"/>
-              <a:t>2021. 09. 15.</a:t>
+              <a:t>2021. 09. 16.</a:t>
             </a:fld>
             <a:endParaRPr lang="hu-HU"/>
           </a:p>
@@ -2934,7 +2940,7 @@
           <a:p>
             <a:fld id="{40EEE182-5BC8-485E-A7B0-871D6DD7FA96}" type="datetimeFigureOut">
               <a:rPr lang="hu-HU" smtClean="0"/>
-              <a:t>2021. 09. 15.</a:t>
+              <a:t>2021. 09. 16.</a:t>
             </a:fld>
             <a:endParaRPr lang="hu-HU"/>
           </a:p>
@@ -3383,13 +3389,46 @@
         </p:nvSpPr>
         <p:spPr/>
         <p:txBody>
-          <a:bodyPr/>
-          <a:lstStyle/>
-          <a:p>
-            <a:r>
-              <a:rPr lang="hu-HU" b="1" dirty="0"/>
+          <a:bodyPr>
+            <a:normAutofit/>
+          </a:bodyPr>
+          <a:lstStyle/>
+          <a:p>
+            <a:r>
+              <a:rPr lang="hu-HU" b="1" dirty="0" smtClean="0"/>
               <a:t>Bemutatkozás</a:t>
             </a:r>
+            <a:endParaRPr lang="hu-HU" b="1" dirty="0"/>
+          </a:p>
+        </p:txBody>
+      </p:sp>
+      <p:sp>
+        <p:nvSpPr>
+          <p:cNvPr id="3" name="Szövegdoboz 2"/>
+          <p:cNvSpPr txBox="1"/>
+          <p:nvPr/>
+        </p:nvSpPr>
+        <p:spPr>
+          <a:xfrm>
+            <a:off x="10613555" y="6488668"/>
+            <a:ext cx="1578445" cy="369332"/>
+          </a:xfrm>
+          <a:prstGeom prst="rect">
+            <a:avLst/>
+          </a:prstGeom>
+          <a:noFill/>
+        </p:spPr>
+        <p:txBody>
+          <a:bodyPr wrap="none" rtlCol="0">
+            <a:spAutoFit/>
+          </a:bodyPr>
+          <a:lstStyle/>
+          <a:p>
+            <a:r>
+              <a:rPr lang="hu-HU" dirty="0" smtClean="0"/>
+              <a:t>Dunai Krisztián</a:t>
+            </a:r>
+            <a:endParaRPr lang="hu-HU" dirty="0"/>
           </a:p>
         </p:txBody>
       </p:sp>
@@ -3439,13 +3478,7 @@
       </p:grpSpPr>
       <p:sp>
         <p:nvSpPr>
-          <p:cNvPr id="2" name="Cím 1">
-            <a:extLst>
-              <a:ext uri="{FF2B5EF4-FFF2-40B4-BE49-F238E27FC236}">
-                <a16:creationId xmlns:a16="http://schemas.microsoft.com/office/drawing/2014/main" id="{8A69E9BF-60E5-45EE-898B-F2C6FD02B83F}"/>
-              </a:ext>
-            </a:extLst>
-          </p:cNvPr>
+          <p:cNvPr id="2" name="Cím 1"/>
           <p:cNvSpPr>
             <a:spLocks noGrp="1"/>
           </p:cNvSpPr>
@@ -3459,21 +3492,16 @@
           <a:lstStyle/>
           <a:p>
             <a:r>
-              <a:rPr lang="hu-HU" dirty="0"/>
-              <a:t>Általános adatok</a:t>
-            </a:r>
-          </a:p>
-        </p:txBody>
-      </p:sp>
-      <p:sp>
-        <p:nvSpPr>
-          <p:cNvPr id="3" name="Tartalom helye 2">
-            <a:extLst>
-              <a:ext uri="{FF2B5EF4-FFF2-40B4-BE49-F238E27FC236}">
-                <a16:creationId xmlns:a16="http://schemas.microsoft.com/office/drawing/2014/main" id="{A9B1F311-FA02-4508-A1EC-CD782601275B}"/>
-              </a:ext>
-            </a:extLst>
-          </p:cNvPr>
+              <a:rPr lang="hu-HU" dirty="0" smtClean="0"/>
+              <a:t>Családi háttér</a:t>
+            </a:r>
+            <a:endParaRPr lang="hu-HU" dirty="0"/>
+          </a:p>
+        </p:txBody>
+      </p:sp>
+      <p:sp>
+        <p:nvSpPr>
+          <p:cNvPr id="3" name="Tartalom helye 2"/>
           <p:cNvSpPr>
             <a:spLocks noGrp="1"/>
           </p:cNvSpPr>
@@ -3487,44 +3515,37 @@
           <a:lstStyle/>
           <a:p>
             <a:r>
-              <a:rPr lang="hu-HU" dirty="0">
-                <a:latin typeface="Amasis MT Pro Black" panose="020B0604020202020204" pitchFamily="18" charset="-18"/>
+              <a:rPr lang="hu-HU" dirty="0" smtClean="0">
+                <a:latin typeface="Amasis MT Pro Black" panose="020B0604020202020204"/>
               </a:rPr>
-              <a:t>Nevem: Dunai Krisztián</a:t>
-            </a:r>
-          </a:p>
-          <a:p>
+              <a:t>Édesanyámmal és nagyszüleimmel lakom</a:t>
+            </a:r>
+          </a:p>
+          <a:p>
+            <a:r>
+              <a:rPr lang="hu-HU" dirty="0" smtClean="0">
+                <a:latin typeface="Amasis MT Pro Black" panose="020B0604020202020204"/>
+              </a:rPr>
+              <a:t>Bátyám külön él</a:t>
+            </a:r>
+          </a:p>
+          <a:p>
+            <a:r>
+              <a:rPr lang="hu-HU" dirty="0" smtClean="0">
+                <a:latin typeface="Amasis MT Pro Black" panose="020B0604020202020204"/>
+              </a:rPr>
+              <a:t>Szüleim szétmentek születésem előtt</a:t>
+            </a:r>
             <a:endParaRPr lang="hu-HU" dirty="0">
-              <a:latin typeface="Amasis MT Pro Black" panose="020B0604020202020204" pitchFamily="18" charset="-18"/>
+              <a:latin typeface="Amasis MT Pro Black" panose="020B0604020202020204"/>
             </a:endParaRPr>
-          </a:p>
-          <a:p>
-            <a:r>
-              <a:rPr lang="hu-HU" dirty="0">
-                <a:latin typeface="Amasis MT Pro Black" panose="020B0604020202020204" pitchFamily="18" charset="-18"/>
-              </a:rPr>
-              <a:t>Születési idő: 2006.02.03</a:t>
-            </a:r>
-          </a:p>
-          <a:p>
-            <a:endParaRPr lang="hu-HU" dirty="0">
-              <a:latin typeface="Amasis MT Pro Black" panose="020B0604020202020204" pitchFamily="18" charset="-18"/>
-            </a:endParaRPr>
-          </a:p>
-          <a:p>
-            <a:r>
-              <a:rPr lang="hu-HU" dirty="0">
-                <a:latin typeface="Amasis MT Pro Black" panose="020B0604020202020204" pitchFamily="18" charset="-18"/>
-              </a:rPr>
-              <a:t>Budapesten születtem</a:t>
-            </a:r>
           </a:p>
         </p:txBody>
       </p:sp>
     </p:spTree>
     <p:extLst>
       <p:ext uri="{BB962C8B-B14F-4D97-AF65-F5344CB8AC3E}">
-        <p14:creationId xmlns:p14="http://schemas.microsoft.com/office/powerpoint/2010/main" val="630607827"/>
+        <p14:creationId xmlns:p14="http://schemas.microsoft.com/office/powerpoint/2010/main" val="996901292"/>
       </p:ext>
     </p:extLst>
   </p:cSld>
@@ -3570,7 +3591,7 @@
           <p:cNvPr id="2" name="Cím 1">
             <a:extLst>
               <a:ext uri="{FF2B5EF4-FFF2-40B4-BE49-F238E27FC236}">
-                <a16:creationId xmlns:a16="http://schemas.microsoft.com/office/drawing/2014/main" id="{32CBD71C-0BE1-4BAC-AA3B-8A9FBC3C279A}"/>
+                <a16:creationId xmlns:a16="http://schemas.microsoft.com/office/drawing/2014/main" id="{8A69E9BF-60E5-45EE-898B-F2C6FD02B83F}"/>
               </a:ext>
             </a:extLst>
           </p:cNvPr>
@@ -3588,7 +3609,7 @@
           <a:p>
             <a:r>
               <a:rPr lang="hu-HU" dirty="0"/>
-              <a:t>Tanulmányok</a:t>
+              <a:t>Általános adatok</a:t>
             </a:r>
           </a:p>
         </p:txBody>
@@ -3598,7 +3619,7 @@
           <p:cNvPr id="3" name="Tartalom helye 2">
             <a:extLst>
               <a:ext uri="{FF2B5EF4-FFF2-40B4-BE49-F238E27FC236}">
-                <a16:creationId xmlns:a16="http://schemas.microsoft.com/office/drawing/2014/main" id="{D90B014A-5B4C-4AB9-ADF1-1697DF0DDC70}"/>
+                <a16:creationId xmlns:a16="http://schemas.microsoft.com/office/drawing/2014/main" id="{A9B1F311-FA02-4508-A1EC-CD782601275B}"/>
               </a:ext>
             </a:extLst>
           </p:cNvPr>
@@ -3616,70 +3637,35 @@
           <a:p>
             <a:r>
               <a:rPr lang="hu-HU" dirty="0">
-                <a:latin typeface="Amasis MT Pro Black" panose="02040A04050005020304" pitchFamily="18" charset="-18"/>
+                <a:latin typeface="Amasis MT Pro Black" panose="020B0604020202020204" pitchFamily="18" charset="-18"/>
               </a:rPr>
-              <a:t>Kerék Általános Iskola és Gimnázium (2012-2020)</a:t>
-            </a:r>
+              <a:t>Nevem: Dunai Krisztián</a:t>
+            </a:r>
+          </a:p>
+          <a:p>
+            <a:endParaRPr lang="hu-HU" dirty="0">
+              <a:latin typeface="Amasis MT Pro Black" panose="020B0604020202020204" pitchFamily="18" charset="-18"/>
+            </a:endParaRPr>
           </a:p>
           <a:p>
             <a:r>
               <a:rPr lang="hu-HU" dirty="0">
-                <a:latin typeface="Amasis MT Pro Black" panose="02040A04050005020304" pitchFamily="18" charset="-18"/>
+                <a:latin typeface="Amasis MT Pro Black" panose="020B0604020202020204" pitchFamily="18" charset="-18"/>
               </a:rPr>
-              <a:t>Katona József Technikum (jelenleg)</a:t>
+              <a:t>Születési idő: 2006.02.03</a:t>
             </a:r>
           </a:p>
           <a:p>
             <a:endParaRPr lang="hu-HU" dirty="0">
-              <a:latin typeface="Amasis MT Pro Black" panose="02040A04050005020304" pitchFamily="18" charset="-18"/>
+              <a:latin typeface="Amasis MT Pro Black" panose="020B0604020202020204" pitchFamily="18" charset="-18"/>
             </a:endParaRPr>
           </a:p>
           <a:p>
             <a:r>
-              <a:rPr lang="hu-HU" sz="1800" dirty="0" err="1">
-                <a:latin typeface="Amasis MT Pro Black" panose="02040A04050005020304" pitchFamily="18" charset="-18"/>
+              <a:rPr lang="hu-HU" dirty="0">
+                <a:latin typeface="Amasis MT Pro Black" panose="020B0604020202020204" pitchFamily="18" charset="-18"/>
               </a:rPr>
-              <a:t>Logischool</a:t>
-            </a:r>
-            <a:r>
-              <a:rPr lang="hu-HU" sz="1800" dirty="0">
-                <a:latin typeface="Amasis MT Pro Black" panose="02040A04050005020304" pitchFamily="18" charset="-18"/>
-              </a:rPr>
-              <a:t> (2016-2017)</a:t>
-            </a:r>
-          </a:p>
-          <a:p>
-            <a:r>
-              <a:rPr lang="hu-HU" sz="1800" dirty="0">
-                <a:latin typeface="Amasis MT Pro Black" panose="02040A04050005020304" pitchFamily="18" charset="-18"/>
-              </a:rPr>
-              <a:t>Rendszergazda és operátor saját cégnél (2019-jelenleg)</a:t>
-            </a:r>
-          </a:p>
-          <a:p>
-            <a:r>
-              <a:rPr lang="hu-HU" sz="1800" dirty="0" err="1">
-                <a:latin typeface="Amasis MT Pro Black" panose="02040A04050005020304" pitchFamily="18" charset="-18"/>
-              </a:rPr>
-              <a:t>Fullstack</a:t>
-            </a:r>
-            <a:r>
-              <a:rPr lang="hu-HU" sz="1800" dirty="0">
-                <a:latin typeface="Amasis MT Pro Black" panose="02040A04050005020304" pitchFamily="18" charset="-18"/>
-              </a:rPr>
-              <a:t> tanulmányok (2019-jelenleg, </a:t>
-            </a:r>
-            <a:r>
-              <a:rPr lang="hu-HU" sz="1800" dirty="0" err="1">
-                <a:latin typeface="Amasis MT Pro Black" panose="02040A04050005020304" pitchFamily="18" charset="-18"/>
-              </a:rPr>
-              <a:t>DevOPS</a:t>
-            </a:r>
-            <a:r>
-              <a:rPr lang="hu-HU" sz="1800" dirty="0">
-                <a:latin typeface="Amasis MT Pro Black" panose="02040A04050005020304" pitchFamily="18" charset="-18"/>
-              </a:rPr>
-              <a:t> akadémia)</a:t>
+              <a:t>Budapesten születtem</a:t>
             </a:r>
           </a:p>
         </p:txBody>
@@ -3687,7 +3673,7 @@
     </p:spTree>
     <p:extLst>
       <p:ext uri="{BB962C8B-B14F-4D97-AF65-F5344CB8AC3E}">
-        <p14:creationId xmlns:p14="http://schemas.microsoft.com/office/powerpoint/2010/main" val="3209672931"/>
+        <p14:creationId xmlns:p14="http://schemas.microsoft.com/office/powerpoint/2010/main" val="630607827"/>
       </p:ext>
     </p:extLst>
   </p:cSld>
@@ -3733,6 +3719,169 @@
           <p:cNvPr id="2" name="Cím 1">
             <a:extLst>
               <a:ext uri="{FF2B5EF4-FFF2-40B4-BE49-F238E27FC236}">
+                <a16:creationId xmlns:a16="http://schemas.microsoft.com/office/drawing/2014/main" id="{32CBD71C-0BE1-4BAC-AA3B-8A9FBC3C279A}"/>
+              </a:ext>
+            </a:extLst>
+          </p:cNvPr>
+          <p:cNvSpPr>
+            <a:spLocks noGrp="1"/>
+          </p:cNvSpPr>
+          <p:nvPr>
+            <p:ph type="title"/>
+          </p:nvPr>
+        </p:nvSpPr>
+        <p:spPr/>
+        <p:txBody>
+          <a:bodyPr/>
+          <a:lstStyle/>
+          <a:p>
+            <a:r>
+              <a:rPr lang="hu-HU" dirty="0"/>
+              <a:t>Tanulmányok</a:t>
+            </a:r>
+          </a:p>
+        </p:txBody>
+      </p:sp>
+      <p:sp>
+        <p:nvSpPr>
+          <p:cNvPr id="3" name="Tartalom helye 2">
+            <a:extLst>
+              <a:ext uri="{FF2B5EF4-FFF2-40B4-BE49-F238E27FC236}">
+                <a16:creationId xmlns:a16="http://schemas.microsoft.com/office/drawing/2014/main" id="{D90B014A-5B4C-4AB9-ADF1-1697DF0DDC70}"/>
+              </a:ext>
+            </a:extLst>
+          </p:cNvPr>
+          <p:cNvSpPr>
+            <a:spLocks noGrp="1"/>
+          </p:cNvSpPr>
+          <p:nvPr>
+            <p:ph idx="1"/>
+          </p:nvPr>
+        </p:nvSpPr>
+        <p:spPr/>
+        <p:txBody>
+          <a:bodyPr/>
+          <a:lstStyle/>
+          <a:p>
+            <a:r>
+              <a:rPr lang="hu-HU" dirty="0">
+                <a:latin typeface="Amasis MT Pro Black" panose="02040A04050005020304" pitchFamily="18" charset="-18"/>
+              </a:rPr>
+              <a:t>Kerék Általános Iskola és Gimnázium (2012-2020)</a:t>
+            </a:r>
+          </a:p>
+          <a:p>
+            <a:r>
+              <a:rPr lang="hu-HU" dirty="0">
+                <a:latin typeface="Amasis MT Pro Black" panose="02040A04050005020304" pitchFamily="18" charset="-18"/>
+              </a:rPr>
+              <a:t>Katona József Technikum (jelenleg)</a:t>
+            </a:r>
+          </a:p>
+          <a:p>
+            <a:endParaRPr lang="hu-HU" dirty="0">
+              <a:latin typeface="Amasis MT Pro Black" panose="02040A04050005020304" pitchFamily="18" charset="-18"/>
+            </a:endParaRPr>
+          </a:p>
+          <a:p>
+            <a:r>
+              <a:rPr lang="hu-HU" sz="1800" dirty="0" err="1">
+                <a:latin typeface="Amasis MT Pro Black" panose="02040A04050005020304" pitchFamily="18" charset="-18"/>
+              </a:rPr>
+              <a:t>Logischool</a:t>
+            </a:r>
+            <a:r>
+              <a:rPr lang="hu-HU" sz="1800" dirty="0">
+                <a:latin typeface="Amasis MT Pro Black" panose="02040A04050005020304" pitchFamily="18" charset="-18"/>
+              </a:rPr>
+              <a:t> (2016-2017)</a:t>
+            </a:r>
+          </a:p>
+          <a:p>
+            <a:r>
+              <a:rPr lang="hu-HU" sz="1800" dirty="0">
+                <a:latin typeface="Amasis MT Pro Black" panose="02040A04050005020304" pitchFamily="18" charset="-18"/>
+              </a:rPr>
+              <a:t>Rendszergazda és operátor saját cégnél (2019-jelenleg)</a:t>
+            </a:r>
+          </a:p>
+          <a:p>
+            <a:r>
+              <a:rPr lang="hu-HU" sz="1800" dirty="0" err="1">
+                <a:latin typeface="Amasis MT Pro Black" panose="02040A04050005020304" pitchFamily="18" charset="-18"/>
+              </a:rPr>
+              <a:t>Fullstack</a:t>
+            </a:r>
+            <a:r>
+              <a:rPr lang="hu-HU" sz="1800" dirty="0">
+                <a:latin typeface="Amasis MT Pro Black" panose="02040A04050005020304" pitchFamily="18" charset="-18"/>
+              </a:rPr>
+              <a:t> tanulmányok (2019-jelenleg, </a:t>
+            </a:r>
+            <a:r>
+              <a:rPr lang="hu-HU" sz="1800" dirty="0" err="1">
+                <a:latin typeface="Amasis MT Pro Black" panose="02040A04050005020304" pitchFamily="18" charset="-18"/>
+              </a:rPr>
+              <a:t>DevOPS</a:t>
+            </a:r>
+            <a:r>
+              <a:rPr lang="hu-HU" sz="1800" dirty="0">
+                <a:latin typeface="Amasis MT Pro Black" panose="02040A04050005020304" pitchFamily="18" charset="-18"/>
+              </a:rPr>
+              <a:t> akadémia)</a:t>
+            </a:r>
+          </a:p>
+        </p:txBody>
+      </p:sp>
+    </p:spTree>
+    <p:extLst>
+      <p:ext uri="{BB962C8B-B14F-4D97-AF65-F5344CB8AC3E}">
+        <p14:creationId xmlns:p14="http://schemas.microsoft.com/office/powerpoint/2010/main" val="3209672931"/>
+      </p:ext>
+    </p:extLst>
+  </p:cSld>
+  <p:clrMapOvr>
+    <a:masterClrMapping/>
+  </p:clrMapOvr>
+</p:sld>
+</file>
+
+<file path=ppt/slides/slide5.xml><?xml version="1.0" encoding="utf-8"?>
+<p:sld xmlns:a="http://schemas.openxmlformats.org/drawingml/2006/main" xmlns:r="http://schemas.openxmlformats.org/officeDocument/2006/relationships" xmlns:p="http://schemas.openxmlformats.org/presentationml/2006/main">
+  <p:cSld>
+    <p:bg>
+      <p:bgPr>
+        <a:blipFill dpi="0" rotWithShape="1">
+          <a:blip r:embed="rId2">
+            <a:lum/>
+          </a:blip>
+          <a:srcRect/>
+          <a:stretch>
+            <a:fillRect/>
+          </a:stretch>
+        </a:blipFill>
+        <a:effectLst/>
+      </p:bgPr>
+    </p:bg>
+    <p:spTree>
+      <p:nvGrpSpPr>
+        <p:cNvPr id="1" name=""/>
+        <p:cNvGrpSpPr/>
+        <p:nvPr/>
+      </p:nvGrpSpPr>
+      <p:grpSpPr>
+        <a:xfrm>
+          <a:off x="0" y="0"/>
+          <a:ext cx="0" cy="0"/>
+          <a:chOff x="0" y="0"/>
+          <a:chExt cx="0" cy="0"/>
+        </a:xfrm>
+      </p:grpSpPr>
+      <p:sp>
+        <p:nvSpPr>
+          <p:cNvPr id="2" name="Cím 1">
+            <a:extLst>
+              <a:ext uri="{FF2B5EF4-FFF2-40B4-BE49-F238E27FC236}">
                 <a16:creationId xmlns:a16="http://schemas.microsoft.com/office/drawing/2014/main" id="{5818E24B-E53B-4B62-AA83-AC95FB16D727}"/>
               </a:ext>
             </a:extLst>
@@ -3812,7 +3961,7 @@
 </p:sld>
 </file>
 
-<file path=ppt/slides/slide5.xml><?xml version="1.0" encoding="utf-8"?>
+<file path=ppt/slides/slide6.xml><?xml version="1.0" encoding="utf-8"?>
 <p:sld xmlns:a="http://schemas.openxmlformats.org/drawingml/2006/main" xmlns:r="http://schemas.openxmlformats.org/officeDocument/2006/relationships" xmlns:p="http://schemas.openxmlformats.org/presentationml/2006/main">
   <p:cSld>
     <p:bg>
